--- a/ppts/photonmapping/Learning to Importance Sample in Primary Sample Space.pptx
+++ b/ppts/photonmapping/Learning to Importance Sample in Primary Sample Space.pptx
@@ -5,23 +5,21 @@
     <p:sldMasterId id="2147483658" r:id="rId1"/>
   </p:sldMasterIdLst>
   <p:notesMasterIdLst>
-    <p:notesMasterId r:id="rId13"/>
+    <p:notesMasterId r:id="rId11"/>
   </p:notesMasterIdLst>
   <p:handoutMasterIdLst>
-    <p:handoutMasterId r:id="rId14"/>
+    <p:handoutMasterId r:id="rId12"/>
   </p:handoutMasterIdLst>
   <p:sldIdLst>
     <p:sldId id="717" r:id="rId2"/>
     <p:sldId id="714" r:id="rId3"/>
     <p:sldId id="713" r:id="rId4"/>
     <p:sldId id="727" r:id="rId5"/>
-    <p:sldId id="721" r:id="rId6"/>
-    <p:sldId id="726" r:id="rId7"/>
-    <p:sldId id="722" r:id="rId8"/>
-    <p:sldId id="723" r:id="rId9"/>
-    <p:sldId id="724" r:id="rId10"/>
-    <p:sldId id="728" r:id="rId11"/>
-    <p:sldId id="725" r:id="rId12"/>
+    <p:sldId id="722" r:id="rId6"/>
+    <p:sldId id="723" r:id="rId7"/>
+    <p:sldId id="724" r:id="rId8"/>
+    <p:sldId id="728" r:id="rId9"/>
+    <p:sldId id="725" r:id="rId10"/>
   </p:sldIdLst>
   <p:sldSz cx="12192000" cy="6858000"/>
   <p:notesSz cx="6858000" cy="9144000"/>
@@ -6729,466 +6727,6 @@
 </p:sld>
 </file>
 
-<file path=ppt/slides/slide10.xml><?xml version="1.0" encoding="utf-8"?>
-<p:sld xmlns:a="http://schemas.openxmlformats.org/drawingml/2006/main" xmlns:r="http://schemas.openxmlformats.org/officeDocument/2006/relationships" xmlns:p="http://schemas.openxmlformats.org/presentationml/2006/main">
-  <p:cSld>
-    <p:spTree>
-      <p:nvGrpSpPr>
-        <p:cNvPr id="1" name=""/>
-        <p:cNvGrpSpPr/>
-        <p:nvPr/>
-      </p:nvGrpSpPr>
-      <p:grpSpPr>
-        <a:xfrm>
-          <a:off x="0" y="0"/>
-          <a:ext cx="0" cy="0"/>
-          <a:chOff x="0" y="0"/>
-          <a:chExt cx="0" cy="0"/>
-        </a:xfrm>
-      </p:grpSpPr>
-      <p:sp>
-        <p:nvSpPr>
-          <p:cNvPr id="4" name="タイトル 3"/>
-          <p:cNvSpPr>
-            <a:spLocks noGrp="1"/>
-          </p:cNvSpPr>
-          <p:nvPr>
-            <p:ph type="title"/>
-          </p:nvPr>
-        </p:nvSpPr>
-        <p:spPr/>
-        <p:txBody>
-          <a:bodyPr/>
-          <a:lstStyle/>
-          <a:p>
-            <a:pPr>
-              <a:lnSpc>
-                <a:spcPct val="130000"/>
-              </a:lnSpc>
-              <a:spcAft>
-                <a:spcPts val="1477"/>
-              </a:spcAft>
-            </a:pPr>
-            <a:r>
-              <a:rPr lang="en-US" altLang="ja-JP" sz="1800" b="1" dirty="0">
-                <a:latin typeface="+mn-ea"/>
-              </a:rPr>
-              <a:t>Learning to Importance Sample in Primary Sample Space</a:t>
-            </a:r>
-          </a:p>
-        </p:txBody>
-      </p:sp>
-      <p:sp>
-        <p:nvSpPr>
-          <p:cNvPr id="2" name="スライド番号プレースホルダー 1"/>
-          <p:cNvSpPr>
-            <a:spLocks noGrp="1"/>
-          </p:cNvSpPr>
-          <p:nvPr>
-            <p:ph type="sldNum" sz="quarter" idx="4"/>
-          </p:nvPr>
-        </p:nvSpPr>
-        <p:spPr/>
-        <p:txBody>
-          <a:bodyPr/>
-          <a:lstStyle/>
-          <a:p>
-            <a:fld id="{FB3508C7-2FE0-4945-9CBD-863E05F850D2}" type="slidenum">
-              <a:rPr lang="ja-JP" altLang="en-US" smtClean="0"/>
-              <a:pPr/>
-              <a:t>9</a:t>
-            </a:fld>
-            <a:endParaRPr lang="ja-JP" altLang="en-US" dirty="0"/>
-          </a:p>
-        </p:txBody>
-      </p:sp>
-      <p:sp>
-        <p:nvSpPr>
-          <p:cNvPr id="15" name="AutoShape 3"/>
-          <p:cNvSpPr>
-            <a:spLocks noChangeArrowheads="1"/>
-          </p:cNvSpPr>
-          <p:nvPr/>
-        </p:nvSpPr>
-        <p:spPr bwMode="auto">
-          <a:xfrm>
-            <a:off x="997444" y="7183360"/>
-            <a:ext cx="10194186" cy="197105"/>
-          </a:xfrm>
-          <a:prstGeom prst="roundRect">
-            <a:avLst>
-              <a:gd name="adj" fmla="val 0"/>
-            </a:avLst>
-          </a:prstGeom>
-          <a:noFill/>
-          <a:ln>
-            <a:noFill/>
-          </a:ln>
-          <a:effectLst/>
-          <a:extLst>
-            <a:ext uri="{909E8E84-426E-40DD-AFC4-6F175D3DCCD1}">
-              <a14:hiddenFill xmlns:a14="http://schemas.microsoft.com/office/drawing/2010/main">
-                <a:solidFill>
-                  <a:schemeClr val="accent1"/>
-                </a:solidFill>
-              </a14:hiddenFill>
-            </a:ext>
-            <a:ext uri="{91240B29-F687-4F45-9708-019B960494DF}">
-              <a14:hiddenLine xmlns:a14="http://schemas.microsoft.com/office/drawing/2010/main" w="9525">
-                <a:solidFill>
-                  <a:schemeClr val="tx1"/>
-                </a:solidFill>
-                <a:round/>
-                <a:headEnd/>
-                <a:tailEnd/>
-              </a14:hiddenLine>
-            </a:ext>
-            <a:ext uri="{AF507438-7753-43E0-B8FC-AC1667EBCBE1}">
-              <a14:hiddenEffects xmlns:a14="http://schemas.microsoft.com/office/drawing/2010/main">
-                <a:effectLst>
-                  <a:outerShdw dist="35921" dir="2700000" algn="ctr" rotWithShape="0">
-                    <a:schemeClr val="bg2"/>
-                  </a:outerShdw>
-                </a:effectLst>
-              </a14:hiddenEffects>
-            </a:ext>
-          </a:extLst>
-        </p:spPr>
-        <p:txBody>
-          <a:bodyPr wrap="square" lIns="0" tIns="0" rIns="0" bIns="0" anchor="ctr" anchorCtr="0">
-            <a:spAutoFit/>
-          </a:bodyPr>
-          <a:lstStyle/>
-          <a:p>
-            <a:pPr algn="r">
-              <a:lnSpc>
-                <a:spcPct val="140000"/>
-              </a:lnSpc>
-              <a:spcBef>
-                <a:spcPct val="0"/>
-              </a:spcBef>
-            </a:pPr>
-            <a:r>
-              <a:rPr lang="ja-JP" altLang="en-US" sz="985" dirty="0">
-                <a:latin typeface="メイリオ" pitchFamily="50" charset="-128"/>
-                <a:ea typeface="メイリオ" pitchFamily="50" charset="-128"/>
-                <a:cs typeface="メイリオ" pitchFamily="50" charset="-128"/>
-              </a:rPr>
-              <a:t>　</a:t>
-            </a:r>
-            <a:endParaRPr lang="en-US" altLang="ja-JP" sz="985" dirty="0">
-              <a:latin typeface="メイリオ" pitchFamily="50" charset="-128"/>
-              <a:ea typeface="メイリオ" pitchFamily="50" charset="-128"/>
-              <a:cs typeface="メイリオ" pitchFamily="50" charset="-128"/>
-            </a:endParaRPr>
-          </a:p>
-        </p:txBody>
-      </p:sp>
-      <p:pic>
-        <p:nvPicPr>
-          <p:cNvPr id="3" name="図 2">
-            <a:extLst>
-              <a:ext uri="{FF2B5EF4-FFF2-40B4-BE49-F238E27FC236}">
-                <a16:creationId xmlns:a16="http://schemas.microsoft.com/office/drawing/2014/main" id="{32C95B48-43E8-48D9-9FED-B9CE20F57EF2}"/>
-              </a:ext>
-            </a:extLst>
-          </p:cNvPr>
-          <p:cNvPicPr>
-            <a:picLocks noChangeAspect="1"/>
-          </p:cNvPicPr>
-          <p:nvPr/>
-        </p:nvPicPr>
-        <p:blipFill>
-          <a:blip r:embed="rId2"/>
-          <a:stretch>
-            <a:fillRect/>
-          </a:stretch>
-        </p:blipFill>
-        <p:spPr>
-          <a:xfrm>
-            <a:off x="2171564" y="1326472"/>
-            <a:ext cx="8361607" cy="4563156"/>
-          </a:xfrm>
-          <a:prstGeom prst="rect">
-            <a:avLst/>
-          </a:prstGeom>
-        </p:spPr>
-      </p:pic>
-    </p:spTree>
-    <p:extLst>
-      <p:ext uri="{BB962C8B-B14F-4D97-AF65-F5344CB8AC3E}">
-        <p14:creationId xmlns:p14="http://schemas.microsoft.com/office/powerpoint/2010/main" val="3614634499"/>
-      </p:ext>
-    </p:extLst>
-  </p:cSld>
-  <p:clrMapOvr>
-    <a:masterClrMapping/>
-  </p:clrMapOvr>
-</p:sld>
-</file>
-
-<file path=ppt/slides/slide11.xml><?xml version="1.0" encoding="utf-8"?>
-<p:sld xmlns:a="http://schemas.openxmlformats.org/drawingml/2006/main" xmlns:r="http://schemas.openxmlformats.org/officeDocument/2006/relationships" xmlns:p="http://schemas.openxmlformats.org/presentationml/2006/main">
-  <p:cSld>
-    <p:spTree>
-      <p:nvGrpSpPr>
-        <p:cNvPr id="1" name=""/>
-        <p:cNvGrpSpPr/>
-        <p:nvPr/>
-      </p:nvGrpSpPr>
-      <p:grpSpPr>
-        <a:xfrm>
-          <a:off x="0" y="0"/>
-          <a:ext cx="0" cy="0"/>
-          <a:chOff x="0" y="0"/>
-          <a:chExt cx="0" cy="0"/>
-        </a:xfrm>
-      </p:grpSpPr>
-      <p:sp>
-        <p:nvSpPr>
-          <p:cNvPr id="4" name="タイトル 3"/>
-          <p:cNvSpPr>
-            <a:spLocks noGrp="1"/>
-          </p:cNvSpPr>
-          <p:nvPr>
-            <p:ph type="title"/>
-          </p:nvPr>
-        </p:nvSpPr>
-        <p:spPr/>
-        <p:txBody>
-          <a:bodyPr/>
-          <a:lstStyle/>
-          <a:p>
-            <a:pPr>
-              <a:lnSpc>
-                <a:spcPct val="130000"/>
-              </a:lnSpc>
-              <a:spcAft>
-                <a:spcPts val="1477"/>
-              </a:spcAft>
-            </a:pPr>
-            <a:r>
-              <a:rPr lang="en-US" altLang="ja-JP" sz="1800" b="1" dirty="0">
-                <a:latin typeface="+mn-ea"/>
-              </a:rPr>
-              <a:t>Learning to Importance Sample in Primary Sample Space</a:t>
-            </a:r>
-          </a:p>
-        </p:txBody>
-      </p:sp>
-      <p:sp>
-        <p:nvSpPr>
-          <p:cNvPr id="2" name="スライド番号プレースホルダー 1"/>
-          <p:cNvSpPr>
-            <a:spLocks noGrp="1"/>
-          </p:cNvSpPr>
-          <p:nvPr>
-            <p:ph type="sldNum" sz="quarter" idx="4"/>
-          </p:nvPr>
-        </p:nvSpPr>
-        <p:spPr/>
-        <p:txBody>
-          <a:bodyPr/>
-          <a:lstStyle/>
-          <a:p>
-            <a:fld id="{FB3508C7-2FE0-4945-9CBD-863E05F850D2}" type="slidenum">
-              <a:rPr lang="ja-JP" altLang="en-US" smtClean="0"/>
-              <a:pPr/>
-              <a:t>10</a:t>
-            </a:fld>
-            <a:endParaRPr lang="ja-JP" altLang="en-US" dirty="0"/>
-          </a:p>
-        </p:txBody>
-      </p:sp>
-      <p:sp>
-        <p:nvSpPr>
-          <p:cNvPr id="15" name="AutoShape 3"/>
-          <p:cNvSpPr>
-            <a:spLocks noChangeArrowheads="1"/>
-          </p:cNvSpPr>
-          <p:nvPr/>
-        </p:nvSpPr>
-        <p:spPr bwMode="auto">
-          <a:xfrm>
-            <a:off x="997444" y="7183360"/>
-            <a:ext cx="10194186" cy="197105"/>
-          </a:xfrm>
-          <a:prstGeom prst="roundRect">
-            <a:avLst>
-              <a:gd name="adj" fmla="val 0"/>
-            </a:avLst>
-          </a:prstGeom>
-          <a:noFill/>
-          <a:ln>
-            <a:noFill/>
-          </a:ln>
-          <a:effectLst/>
-          <a:extLst>
-            <a:ext uri="{909E8E84-426E-40DD-AFC4-6F175D3DCCD1}">
-              <a14:hiddenFill xmlns:a14="http://schemas.microsoft.com/office/drawing/2010/main">
-                <a:solidFill>
-                  <a:schemeClr val="accent1"/>
-                </a:solidFill>
-              </a14:hiddenFill>
-            </a:ext>
-            <a:ext uri="{91240B29-F687-4F45-9708-019B960494DF}">
-              <a14:hiddenLine xmlns:a14="http://schemas.microsoft.com/office/drawing/2010/main" w="9525">
-                <a:solidFill>
-                  <a:schemeClr val="tx1"/>
-                </a:solidFill>
-                <a:round/>
-                <a:headEnd/>
-                <a:tailEnd/>
-              </a14:hiddenLine>
-            </a:ext>
-            <a:ext uri="{AF507438-7753-43E0-B8FC-AC1667EBCBE1}">
-              <a14:hiddenEffects xmlns:a14="http://schemas.microsoft.com/office/drawing/2010/main">
-                <a:effectLst>
-                  <a:outerShdw dist="35921" dir="2700000" algn="ctr" rotWithShape="0">
-                    <a:schemeClr val="bg2"/>
-                  </a:outerShdw>
-                </a:effectLst>
-              </a14:hiddenEffects>
-            </a:ext>
-          </a:extLst>
-        </p:spPr>
-        <p:txBody>
-          <a:bodyPr wrap="square" lIns="0" tIns="0" rIns="0" bIns="0" anchor="ctr" anchorCtr="0">
-            <a:spAutoFit/>
-          </a:bodyPr>
-          <a:lstStyle/>
-          <a:p>
-            <a:pPr algn="r">
-              <a:lnSpc>
-                <a:spcPct val="140000"/>
-              </a:lnSpc>
-              <a:spcBef>
-                <a:spcPct val="0"/>
-              </a:spcBef>
-            </a:pPr>
-            <a:r>
-              <a:rPr lang="ja-JP" altLang="en-US" sz="985" dirty="0">
-                <a:latin typeface="メイリオ" pitchFamily="50" charset="-128"/>
-                <a:ea typeface="メイリオ" pitchFamily="50" charset="-128"/>
-                <a:cs typeface="メイリオ" pitchFamily="50" charset="-128"/>
-              </a:rPr>
-              <a:t>　</a:t>
-            </a:r>
-            <a:endParaRPr lang="en-US" altLang="ja-JP" sz="985" dirty="0">
-              <a:latin typeface="メイリオ" pitchFamily="50" charset="-128"/>
-              <a:ea typeface="メイリオ" pitchFamily="50" charset="-128"/>
-              <a:cs typeface="メイリオ" pitchFamily="50" charset="-128"/>
-            </a:endParaRPr>
-          </a:p>
-        </p:txBody>
-      </p:sp>
-      <p:sp>
-        <p:nvSpPr>
-          <p:cNvPr id="8" name="正方形/長方形 7">
-            <a:extLst>
-              <a:ext uri="{FF2B5EF4-FFF2-40B4-BE49-F238E27FC236}">
-                <a16:creationId xmlns:a16="http://schemas.microsoft.com/office/drawing/2014/main" id="{8E632357-3E13-4785-87A4-925B065BC8E4}"/>
-              </a:ext>
-            </a:extLst>
-          </p:cNvPr>
-          <p:cNvSpPr/>
-          <p:nvPr/>
-        </p:nvSpPr>
-        <p:spPr>
-          <a:xfrm>
-            <a:off x="762014" y="1978203"/>
-            <a:ext cx="6070380" cy="646331"/>
-          </a:xfrm>
-          <a:prstGeom prst="rect">
-            <a:avLst/>
-          </a:prstGeom>
-        </p:spPr>
-        <p:txBody>
-          <a:bodyPr wrap="none">
-            <a:spAutoFit/>
-          </a:bodyPr>
-          <a:lstStyle/>
-          <a:p>
-            <a:r>
-              <a:rPr lang="en-US" altLang="ja-JP" b="1" dirty="0" err="1"/>
-              <a:t>RealNVP</a:t>
-            </a:r>
-            <a:r>
-              <a:rPr lang="ja-JP" altLang="en-US" b="1" dirty="0"/>
-              <a:t>の論文を読んだので要約とメモ </a:t>
-            </a:r>
-            <a:r>
-              <a:rPr lang="en-US" altLang="ja-JP" b="1" dirty="0"/>
-              <a:t>- </a:t>
-            </a:r>
-            <a:r>
-              <a:rPr lang="en-US" altLang="ja-JP" b="1" dirty="0" err="1"/>
-              <a:t>Qiita</a:t>
-            </a:r>
-            <a:endParaRPr lang="en-US" altLang="ja-JP" dirty="0">
-              <a:hlinkClick r:id="rId2"/>
-            </a:endParaRPr>
-          </a:p>
-          <a:p>
-            <a:r>
-              <a:rPr lang="en-US" altLang="ja-JP" dirty="0">
-                <a:hlinkClick r:id="rId2"/>
-              </a:rPr>
-              <a:t>https://qiita.com/exp/items/25e88f506fc7458c7fad</a:t>
-            </a:r>
-            <a:endParaRPr lang="ja-JP" altLang="en-US" dirty="0"/>
-          </a:p>
-        </p:txBody>
-      </p:sp>
-      <p:sp>
-        <p:nvSpPr>
-          <p:cNvPr id="3" name="テキスト ボックス 2">
-            <a:extLst>
-              <a:ext uri="{FF2B5EF4-FFF2-40B4-BE49-F238E27FC236}">
-                <a16:creationId xmlns:a16="http://schemas.microsoft.com/office/drawing/2014/main" id="{B360AA60-1E98-420F-B1B6-DA9F59EF5B2B}"/>
-              </a:ext>
-            </a:extLst>
-          </p:cNvPr>
-          <p:cNvSpPr txBox="1"/>
-          <p:nvPr/>
-        </p:nvSpPr>
-        <p:spPr>
-          <a:xfrm>
-            <a:off x="767408" y="1296668"/>
-            <a:ext cx="1107996" cy="369332"/>
-          </a:xfrm>
-          <a:prstGeom prst="rect">
-            <a:avLst/>
-          </a:prstGeom>
-          <a:noFill/>
-        </p:spPr>
-        <p:txBody>
-          <a:bodyPr wrap="none" rtlCol="0">
-            <a:spAutoFit/>
-          </a:bodyPr>
-          <a:lstStyle/>
-          <a:p>
-            <a:r>
-              <a:rPr lang="ja-JP" altLang="en-US" dirty="0"/>
-              <a:t>参考文献</a:t>
-            </a:r>
-            <a:endParaRPr kumimoji="1" lang="ja-JP" altLang="en-US" dirty="0"/>
-          </a:p>
-        </p:txBody>
-      </p:sp>
-    </p:spTree>
-    <p:extLst>
-      <p:ext uri="{BB962C8B-B14F-4D97-AF65-F5344CB8AC3E}">
-        <p14:creationId xmlns:p14="http://schemas.microsoft.com/office/powerpoint/2010/main" val="1566169355"/>
-      </p:ext>
-    </p:extLst>
-  </p:cSld>
-  <p:clrMapOvr>
-    <a:masterClrMapping/>
-  </p:clrMapOvr>
-</p:sld>
-</file>
-
 <file path=ppt/slides/slide2.xml><?xml version="1.0" encoding="utf-8"?>
 <p:sld xmlns:a="http://schemas.openxmlformats.org/drawingml/2006/main" xmlns:r="http://schemas.openxmlformats.org/officeDocument/2006/relationships" xmlns:p="http://schemas.openxmlformats.org/presentationml/2006/main">
   <p:cSld>
@@ -8593,342 +8131,6 @@
           </a:p>
         </p:txBody>
       </p:sp>
-    </p:spTree>
-    <p:extLst>
-      <p:ext uri="{BB962C8B-B14F-4D97-AF65-F5344CB8AC3E}">
-        <p14:creationId xmlns:p14="http://schemas.microsoft.com/office/powerpoint/2010/main" val="456970016"/>
-      </p:ext>
-    </p:extLst>
-  </p:cSld>
-  <p:clrMapOvr>
-    <a:masterClrMapping/>
-  </p:clrMapOvr>
-</p:sld>
-</file>
-
-<file path=ppt/slides/slide6.xml><?xml version="1.0" encoding="utf-8"?>
-<p:sld xmlns:a="http://schemas.openxmlformats.org/drawingml/2006/main" xmlns:r="http://schemas.openxmlformats.org/officeDocument/2006/relationships" xmlns:p="http://schemas.openxmlformats.org/presentationml/2006/main">
-  <p:cSld>
-    <p:spTree>
-      <p:nvGrpSpPr>
-        <p:cNvPr id="1" name=""/>
-        <p:cNvGrpSpPr/>
-        <p:nvPr/>
-      </p:nvGrpSpPr>
-      <p:grpSpPr>
-        <a:xfrm>
-          <a:off x="0" y="0"/>
-          <a:ext cx="0" cy="0"/>
-          <a:chOff x="0" y="0"/>
-          <a:chExt cx="0" cy="0"/>
-        </a:xfrm>
-      </p:grpSpPr>
-      <p:sp>
-        <p:nvSpPr>
-          <p:cNvPr id="4" name="タイトル 3"/>
-          <p:cNvSpPr>
-            <a:spLocks noGrp="1"/>
-          </p:cNvSpPr>
-          <p:nvPr>
-            <p:ph type="title"/>
-          </p:nvPr>
-        </p:nvSpPr>
-        <p:spPr/>
-        <p:txBody>
-          <a:bodyPr/>
-          <a:lstStyle/>
-          <a:p>
-            <a:pPr>
-              <a:lnSpc>
-                <a:spcPct val="130000"/>
-              </a:lnSpc>
-              <a:spcAft>
-                <a:spcPts val="1477"/>
-              </a:spcAft>
-            </a:pPr>
-            <a:r>
-              <a:rPr lang="en-US" altLang="ja-JP" sz="1800" b="1" dirty="0">
-                <a:latin typeface="+mn-ea"/>
-              </a:rPr>
-              <a:t>Learning to Importance Sample in Primary Sample Space</a:t>
-            </a:r>
-          </a:p>
-        </p:txBody>
-      </p:sp>
-      <p:sp>
-        <p:nvSpPr>
-          <p:cNvPr id="2" name="スライド番号プレースホルダー 1"/>
-          <p:cNvSpPr>
-            <a:spLocks noGrp="1"/>
-          </p:cNvSpPr>
-          <p:nvPr>
-            <p:ph type="sldNum" sz="quarter" idx="4"/>
-          </p:nvPr>
-        </p:nvSpPr>
-        <p:spPr/>
-        <p:txBody>
-          <a:bodyPr/>
-          <a:lstStyle/>
-          <a:p>
-            <a:fld id="{FB3508C7-2FE0-4945-9CBD-863E05F850D2}" type="slidenum">
-              <a:rPr lang="ja-JP" altLang="en-US" smtClean="0"/>
-              <a:pPr/>
-              <a:t>5</a:t>
-            </a:fld>
-            <a:endParaRPr lang="ja-JP" altLang="en-US" dirty="0"/>
-          </a:p>
-        </p:txBody>
-      </p:sp>
-      <p:sp>
-        <p:nvSpPr>
-          <p:cNvPr id="15" name="AutoShape 3"/>
-          <p:cNvSpPr>
-            <a:spLocks noChangeArrowheads="1"/>
-          </p:cNvSpPr>
-          <p:nvPr/>
-        </p:nvSpPr>
-        <p:spPr bwMode="auto">
-          <a:xfrm>
-            <a:off x="997444" y="7183360"/>
-            <a:ext cx="10194186" cy="197105"/>
-          </a:xfrm>
-          <a:prstGeom prst="roundRect">
-            <a:avLst>
-              <a:gd name="adj" fmla="val 0"/>
-            </a:avLst>
-          </a:prstGeom>
-          <a:noFill/>
-          <a:ln>
-            <a:noFill/>
-          </a:ln>
-          <a:effectLst/>
-          <a:extLst>
-            <a:ext uri="{909E8E84-426E-40DD-AFC4-6F175D3DCCD1}">
-              <a14:hiddenFill xmlns:a14="http://schemas.microsoft.com/office/drawing/2010/main">
-                <a:solidFill>
-                  <a:schemeClr val="accent1"/>
-                </a:solidFill>
-              </a14:hiddenFill>
-            </a:ext>
-            <a:ext uri="{91240B29-F687-4F45-9708-019B960494DF}">
-              <a14:hiddenLine xmlns:a14="http://schemas.microsoft.com/office/drawing/2010/main" w="9525">
-                <a:solidFill>
-                  <a:schemeClr val="tx1"/>
-                </a:solidFill>
-                <a:round/>
-                <a:headEnd/>
-                <a:tailEnd/>
-              </a14:hiddenLine>
-            </a:ext>
-            <a:ext uri="{AF507438-7753-43E0-B8FC-AC1667EBCBE1}">
-              <a14:hiddenEffects xmlns:a14="http://schemas.microsoft.com/office/drawing/2010/main">
-                <a:effectLst>
-                  <a:outerShdw dist="35921" dir="2700000" algn="ctr" rotWithShape="0">
-                    <a:schemeClr val="bg2"/>
-                  </a:outerShdw>
-                </a:effectLst>
-              </a14:hiddenEffects>
-            </a:ext>
-          </a:extLst>
-        </p:spPr>
-        <p:txBody>
-          <a:bodyPr wrap="square" lIns="0" tIns="0" rIns="0" bIns="0" anchor="ctr" anchorCtr="0">
-            <a:spAutoFit/>
-          </a:bodyPr>
-          <a:lstStyle/>
-          <a:p>
-            <a:pPr algn="r">
-              <a:lnSpc>
-                <a:spcPct val="140000"/>
-              </a:lnSpc>
-              <a:spcBef>
-                <a:spcPct val="0"/>
-              </a:spcBef>
-            </a:pPr>
-            <a:r>
-              <a:rPr lang="ja-JP" altLang="en-US" sz="985" dirty="0">
-                <a:latin typeface="メイリオ" pitchFamily="50" charset="-128"/>
-                <a:ea typeface="メイリオ" pitchFamily="50" charset="-128"/>
-                <a:cs typeface="メイリオ" pitchFamily="50" charset="-128"/>
-              </a:rPr>
-              <a:t>　</a:t>
-            </a:r>
-            <a:endParaRPr lang="en-US" altLang="ja-JP" sz="985" dirty="0">
-              <a:latin typeface="メイリオ" pitchFamily="50" charset="-128"/>
-              <a:ea typeface="メイリオ" pitchFamily="50" charset="-128"/>
-              <a:cs typeface="メイリオ" pitchFamily="50" charset="-128"/>
-            </a:endParaRPr>
-          </a:p>
-        </p:txBody>
-      </p:sp>
-    </p:spTree>
-    <p:extLst>
-      <p:ext uri="{BB962C8B-B14F-4D97-AF65-F5344CB8AC3E}">
-        <p14:creationId xmlns:p14="http://schemas.microsoft.com/office/powerpoint/2010/main" val="2347404300"/>
-      </p:ext>
-    </p:extLst>
-  </p:cSld>
-  <p:clrMapOvr>
-    <a:masterClrMapping/>
-  </p:clrMapOvr>
-</p:sld>
-</file>
-
-<file path=ppt/slides/slide7.xml><?xml version="1.0" encoding="utf-8"?>
-<p:sld xmlns:a="http://schemas.openxmlformats.org/drawingml/2006/main" xmlns:r="http://schemas.openxmlformats.org/officeDocument/2006/relationships" xmlns:p="http://schemas.openxmlformats.org/presentationml/2006/main">
-  <p:cSld>
-    <p:spTree>
-      <p:nvGrpSpPr>
-        <p:cNvPr id="1" name=""/>
-        <p:cNvGrpSpPr/>
-        <p:nvPr/>
-      </p:nvGrpSpPr>
-      <p:grpSpPr>
-        <a:xfrm>
-          <a:off x="0" y="0"/>
-          <a:ext cx="0" cy="0"/>
-          <a:chOff x="0" y="0"/>
-          <a:chExt cx="0" cy="0"/>
-        </a:xfrm>
-      </p:grpSpPr>
-      <p:sp>
-        <p:nvSpPr>
-          <p:cNvPr id="4" name="タイトル 3"/>
-          <p:cNvSpPr>
-            <a:spLocks noGrp="1"/>
-          </p:cNvSpPr>
-          <p:nvPr>
-            <p:ph type="title"/>
-          </p:nvPr>
-        </p:nvSpPr>
-        <p:spPr/>
-        <p:txBody>
-          <a:bodyPr/>
-          <a:lstStyle/>
-          <a:p>
-            <a:pPr>
-              <a:lnSpc>
-                <a:spcPct val="130000"/>
-              </a:lnSpc>
-              <a:spcAft>
-                <a:spcPts val="1477"/>
-              </a:spcAft>
-            </a:pPr>
-            <a:r>
-              <a:rPr lang="en-US" altLang="ja-JP" sz="1800" b="1" dirty="0">
-                <a:latin typeface="+mn-ea"/>
-              </a:rPr>
-              <a:t>Learning to Importance Sample in Primary Sample Space</a:t>
-            </a:r>
-          </a:p>
-        </p:txBody>
-      </p:sp>
-      <p:sp>
-        <p:nvSpPr>
-          <p:cNvPr id="2" name="スライド番号プレースホルダー 1"/>
-          <p:cNvSpPr>
-            <a:spLocks noGrp="1"/>
-          </p:cNvSpPr>
-          <p:nvPr>
-            <p:ph type="sldNum" sz="quarter" idx="4"/>
-          </p:nvPr>
-        </p:nvSpPr>
-        <p:spPr/>
-        <p:txBody>
-          <a:bodyPr/>
-          <a:lstStyle/>
-          <a:p>
-            <a:fld id="{FB3508C7-2FE0-4945-9CBD-863E05F850D2}" type="slidenum">
-              <a:rPr lang="ja-JP" altLang="en-US" smtClean="0"/>
-              <a:pPr/>
-              <a:t>6</a:t>
-            </a:fld>
-            <a:endParaRPr lang="ja-JP" altLang="en-US" dirty="0"/>
-          </a:p>
-        </p:txBody>
-      </p:sp>
-      <p:sp>
-        <p:nvSpPr>
-          <p:cNvPr id="15" name="AutoShape 3"/>
-          <p:cNvSpPr>
-            <a:spLocks noChangeArrowheads="1"/>
-          </p:cNvSpPr>
-          <p:nvPr/>
-        </p:nvSpPr>
-        <p:spPr bwMode="auto">
-          <a:xfrm>
-            <a:off x="997444" y="7183360"/>
-            <a:ext cx="10194186" cy="197105"/>
-          </a:xfrm>
-          <a:prstGeom prst="roundRect">
-            <a:avLst>
-              <a:gd name="adj" fmla="val 0"/>
-            </a:avLst>
-          </a:prstGeom>
-          <a:noFill/>
-          <a:ln>
-            <a:noFill/>
-          </a:ln>
-          <a:effectLst/>
-          <a:extLst>
-            <a:ext uri="{909E8E84-426E-40DD-AFC4-6F175D3DCCD1}">
-              <a14:hiddenFill xmlns:a14="http://schemas.microsoft.com/office/drawing/2010/main">
-                <a:solidFill>
-                  <a:schemeClr val="accent1"/>
-                </a:solidFill>
-              </a14:hiddenFill>
-            </a:ext>
-            <a:ext uri="{91240B29-F687-4F45-9708-019B960494DF}">
-              <a14:hiddenLine xmlns:a14="http://schemas.microsoft.com/office/drawing/2010/main" w="9525">
-                <a:solidFill>
-                  <a:schemeClr val="tx1"/>
-                </a:solidFill>
-                <a:round/>
-                <a:headEnd/>
-                <a:tailEnd/>
-              </a14:hiddenLine>
-            </a:ext>
-            <a:ext uri="{AF507438-7753-43E0-B8FC-AC1667EBCBE1}">
-              <a14:hiddenEffects xmlns:a14="http://schemas.microsoft.com/office/drawing/2010/main">
-                <a:effectLst>
-                  <a:outerShdw dist="35921" dir="2700000" algn="ctr" rotWithShape="0">
-                    <a:schemeClr val="bg2"/>
-                  </a:outerShdw>
-                </a:effectLst>
-              </a14:hiddenEffects>
-            </a:ext>
-          </a:extLst>
-        </p:spPr>
-        <p:txBody>
-          <a:bodyPr wrap="square" lIns="0" tIns="0" rIns="0" bIns="0" anchor="ctr" anchorCtr="0">
-            <a:spAutoFit/>
-          </a:bodyPr>
-          <a:lstStyle/>
-          <a:p>
-            <a:pPr algn="r">
-              <a:lnSpc>
-                <a:spcPct val="140000"/>
-              </a:lnSpc>
-              <a:spcBef>
-                <a:spcPct val="0"/>
-              </a:spcBef>
-            </a:pPr>
-            <a:r>
-              <a:rPr lang="ja-JP" altLang="en-US" sz="985" dirty="0">
-                <a:latin typeface="メイリオ" pitchFamily="50" charset="-128"/>
-                <a:ea typeface="メイリオ" pitchFamily="50" charset="-128"/>
-                <a:cs typeface="メイリオ" pitchFamily="50" charset="-128"/>
-              </a:rPr>
-              <a:t>　</a:t>
-            </a:r>
-            <a:endParaRPr lang="en-US" altLang="ja-JP" sz="985" dirty="0">
-              <a:latin typeface="メイリオ" pitchFamily="50" charset="-128"/>
-              <a:ea typeface="メイリオ" pitchFamily="50" charset="-128"/>
-              <a:cs typeface="メイリオ" pitchFamily="50" charset="-128"/>
-            </a:endParaRPr>
-          </a:p>
-        </p:txBody>
-      </p:sp>
       <p:pic>
         <p:nvPicPr>
           <p:cNvPr id="5" name="図 4">
@@ -8972,7 +8174,7 @@
 </p:sld>
 </file>
 
-<file path=ppt/slides/slide8.xml><?xml version="1.0" encoding="utf-8"?>
+<file path=ppt/slides/slide6.xml><?xml version="1.0" encoding="utf-8"?>
 <p:sld xmlns:a="http://schemas.openxmlformats.org/drawingml/2006/main" xmlns:r="http://schemas.openxmlformats.org/officeDocument/2006/relationships" xmlns:p="http://schemas.openxmlformats.org/presentationml/2006/main">
   <p:cSld>
     <p:spTree>
@@ -9039,7 +8241,7 @@
             <a:fld id="{FB3508C7-2FE0-4945-9CBD-863E05F850D2}" type="slidenum">
               <a:rPr lang="ja-JP" altLang="en-US" smtClean="0"/>
               <a:pPr/>
-              <a:t>7</a:t>
+              <a:t>5</a:t>
             </a:fld>
             <a:endParaRPr lang="ja-JP" altLang="en-US" dirty="0"/>
           </a:p>
@@ -9251,7 +8453,7 @@
 </p:sld>
 </file>
 
-<file path=ppt/slides/slide9.xml><?xml version="1.0" encoding="utf-8"?>
+<file path=ppt/slides/slide7.xml><?xml version="1.0" encoding="utf-8"?>
 <p:sld xmlns:a="http://schemas.openxmlformats.org/drawingml/2006/main" xmlns:r="http://schemas.openxmlformats.org/officeDocument/2006/relationships" xmlns:p="http://schemas.openxmlformats.org/presentationml/2006/main">
   <p:cSld>
     <p:spTree>
@@ -9318,7 +8520,7 @@
             <a:fld id="{FB3508C7-2FE0-4945-9CBD-863E05F850D2}" type="slidenum">
               <a:rPr lang="ja-JP" altLang="en-US" smtClean="0"/>
               <a:pPr/>
-              <a:t>8</a:t>
+              <a:t>6</a:t>
             </a:fld>
             <a:endParaRPr lang="ja-JP" altLang="en-US" dirty="0"/>
           </a:p>
@@ -9440,6 +8642,466 @@
     <p:extLst>
       <p:ext uri="{BB962C8B-B14F-4D97-AF65-F5344CB8AC3E}">
         <p14:creationId xmlns:p14="http://schemas.microsoft.com/office/powerpoint/2010/main" val="2793240268"/>
+      </p:ext>
+    </p:extLst>
+  </p:cSld>
+  <p:clrMapOvr>
+    <a:masterClrMapping/>
+  </p:clrMapOvr>
+</p:sld>
+</file>
+
+<file path=ppt/slides/slide8.xml><?xml version="1.0" encoding="utf-8"?>
+<p:sld xmlns:a="http://schemas.openxmlformats.org/drawingml/2006/main" xmlns:r="http://schemas.openxmlformats.org/officeDocument/2006/relationships" xmlns:p="http://schemas.openxmlformats.org/presentationml/2006/main">
+  <p:cSld>
+    <p:spTree>
+      <p:nvGrpSpPr>
+        <p:cNvPr id="1" name=""/>
+        <p:cNvGrpSpPr/>
+        <p:nvPr/>
+      </p:nvGrpSpPr>
+      <p:grpSpPr>
+        <a:xfrm>
+          <a:off x="0" y="0"/>
+          <a:ext cx="0" cy="0"/>
+          <a:chOff x="0" y="0"/>
+          <a:chExt cx="0" cy="0"/>
+        </a:xfrm>
+      </p:grpSpPr>
+      <p:sp>
+        <p:nvSpPr>
+          <p:cNvPr id="4" name="タイトル 3"/>
+          <p:cNvSpPr>
+            <a:spLocks noGrp="1"/>
+          </p:cNvSpPr>
+          <p:nvPr>
+            <p:ph type="title"/>
+          </p:nvPr>
+        </p:nvSpPr>
+        <p:spPr/>
+        <p:txBody>
+          <a:bodyPr/>
+          <a:lstStyle/>
+          <a:p>
+            <a:pPr>
+              <a:lnSpc>
+                <a:spcPct val="130000"/>
+              </a:lnSpc>
+              <a:spcAft>
+                <a:spcPts val="1477"/>
+              </a:spcAft>
+            </a:pPr>
+            <a:r>
+              <a:rPr lang="en-US" altLang="ja-JP" sz="1800" b="1" dirty="0">
+                <a:latin typeface="+mn-ea"/>
+              </a:rPr>
+              <a:t>Learning to Importance Sample in Primary Sample Space</a:t>
+            </a:r>
+          </a:p>
+        </p:txBody>
+      </p:sp>
+      <p:sp>
+        <p:nvSpPr>
+          <p:cNvPr id="2" name="スライド番号プレースホルダー 1"/>
+          <p:cNvSpPr>
+            <a:spLocks noGrp="1"/>
+          </p:cNvSpPr>
+          <p:nvPr>
+            <p:ph type="sldNum" sz="quarter" idx="4"/>
+          </p:nvPr>
+        </p:nvSpPr>
+        <p:spPr/>
+        <p:txBody>
+          <a:bodyPr/>
+          <a:lstStyle/>
+          <a:p>
+            <a:fld id="{FB3508C7-2FE0-4945-9CBD-863E05F850D2}" type="slidenum">
+              <a:rPr lang="ja-JP" altLang="en-US" smtClean="0"/>
+              <a:pPr/>
+              <a:t>7</a:t>
+            </a:fld>
+            <a:endParaRPr lang="ja-JP" altLang="en-US" dirty="0"/>
+          </a:p>
+        </p:txBody>
+      </p:sp>
+      <p:sp>
+        <p:nvSpPr>
+          <p:cNvPr id="15" name="AutoShape 3"/>
+          <p:cNvSpPr>
+            <a:spLocks noChangeArrowheads="1"/>
+          </p:cNvSpPr>
+          <p:nvPr/>
+        </p:nvSpPr>
+        <p:spPr bwMode="auto">
+          <a:xfrm>
+            <a:off x="997444" y="7183360"/>
+            <a:ext cx="10194186" cy="197105"/>
+          </a:xfrm>
+          <a:prstGeom prst="roundRect">
+            <a:avLst>
+              <a:gd name="adj" fmla="val 0"/>
+            </a:avLst>
+          </a:prstGeom>
+          <a:noFill/>
+          <a:ln>
+            <a:noFill/>
+          </a:ln>
+          <a:effectLst/>
+          <a:extLst>
+            <a:ext uri="{909E8E84-426E-40DD-AFC4-6F175D3DCCD1}">
+              <a14:hiddenFill xmlns:a14="http://schemas.microsoft.com/office/drawing/2010/main">
+                <a:solidFill>
+                  <a:schemeClr val="accent1"/>
+                </a:solidFill>
+              </a14:hiddenFill>
+            </a:ext>
+            <a:ext uri="{91240B29-F687-4F45-9708-019B960494DF}">
+              <a14:hiddenLine xmlns:a14="http://schemas.microsoft.com/office/drawing/2010/main" w="9525">
+                <a:solidFill>
+                  <a:schemeClr val="tx1"/>
+                </a:solidFill>
+                <a:round/>
+                <a:headEnd/>
+                <a:tailEnd/>
+              </a14:hiddenLine>
+            </a:ext>
+            <a:ext uri="{AF507438-7753-43E0-B8FC-AC1667EBCBE1}">
+              <a14:hiddenEffects xmlns:a14="http://schemas.microsoft.com/office/drawing/2010/main">
+                <a:effectLst>
+                  <a:outerShdw dist="35921" dir="2700000" algn="ctr" rotWithShape="0">
+                    <a:schemeClr val="bg2"/>
+                  </a:outerShdw>
+                </a:effectLst>
+              </a14:hiddenEffects>
+            </a:ext>
+          </a:extLst>
+        </p:spPr>
+        <p:txBody>
+          <a:bodyPr wrap="square" lIns="0" tIns="0" rIns="0" bIns="0" anchor="ctr" anchorCtr="0">
+            <a:spAutoFit/>
+          </a:bodyPr>
+          <a:lstStyle/>
+          <a:p>
+            <a:pPr algn="r">
+              <a:lnSpc>
+                <a:spcPct val="140000"/>
+              </a:lnSpc>
+              <a:spcBef>
+                <a:spcPct val="0"/>
+              </a:spcBef>
+            </a:pPr>
+            <a:r>
+              <a:rPr lang="ja-JP" altLang="en-US" sz="985" dirty="0">
+                <a:latin typeface="メイリオ" pitchFamily="50" charset="-128"/>
+                <a:ea typeface="メイリオ" pitchFamily="50" charset="-128"/>
+                <a:cs typeface="メイリオ" pitchFamily="50" charset="-128"/>
+              </a:rPr>
+              <a:t>　</a:t>
+            </a:r>
+            <a:endParaRPr lang="en-US" altLang="ja-JP" sz="985" dirty="0">
+              <a:latin typeface="メイリオ" pitchFamily="50" charset="-128"/>
+              <a:ea typeface="メイリオ" pitchFamily="50" charset="-128"/>
+              <a:cs typeface="メイリオ" pitchFamily="50" charset="-128"/>
+            </a:endParaRPr>
+          </a:p>
+        </p:txBody>
+      </p:sp>
+      <p:pic>
+        <p:nvPicPr>
+          <p:cNvPr id="3" name="図 2">
+            <a:extLst>
+              <a:ext uri="{FF2B5EF4-FFF2-40B4-BE49-F238E27FC236}">
+                <a16:creationId xmlns:a16="http://schemas.microsoft.com/office/drawing/2014/main" id="{32C95B48-43E8-48D9-9FED-B9CE20F57EF2}"/>
+              </a:ext>
+            </a:extLst>
+          </p:cNvPr>
+          <p:cNvPicPr>
+            <a:picLocks noChangeAspect="1"/>
+          </p:cNvPicPr>
+          <p:nvPr/>
+        </p:nvPicPr>
+        <p:blipFill>
+          <a:blip r:embed="rId2"/>
+          <a:stretch>
+            <a:fillRect/>
+          </a:stretch>
+        </p:blipFill>
+        <p:spPr>
+          <a:xfrm>
+            <a:off x="2171564" y="1326472"/>
+            <a:ext cx="8361607" cy="4563156"/>
+          </a:xfrm>
+          <a:prstGeom prst="rect">
+            <a:avLst/>
+          </a:prstGeom>
+        </p:spPr>
+      </p:pic>
+    </p:spTree>
+    <p:extLst>
+      <p:ext uri="{BB962C8B-B14F-4D97-AF65-F5344CB8AC3E}">
+        <p14:creationId xmlns:p14="http://schemas.microsoft.com/office/powerpoint/2010/main" val="3614634499"/>
+      </p:ext>
+    </p:extLst>
+  </p:cSld>
+  <p:clrMapOvr>
+    <a:masterClrMapping/>
+  </p:clrMapOvr>
+</p:sld>
+</file>
+
+<file path=ppt/slides/slide9.xml><?xml version="1.0" encoding="utf-8"?>
+<p:sld xmlns:a="http://schemas.openxmlformats.org/drawingml/2006/main" xmlns:r="http://schemas.openxmlformats.org/officeDocument/2006/relationships" xmlns:p="http://schemas.openxmlformats.org/presentationml/2006/main">
+  <p:cSld>
+    <p:spTree>
+      <p:nvGrpSpPr>
+        <p:cNvPr id="1" name=""/>
+        <p:cNvGrpSpPr/>
+        <p:nvPr/>
+      </p:nvGrpSpPr>
+      <p:grpSpPr>
+        <a:xfrm>
+          <a:off x="0" y="0"/>
+          <a:ext cx="0" cy="0"/>
+          <a:chOff x="0" y="0"/>
+          <a:chExt cx="0" cy="0"/>
+        </a:xfrm>
+      </p:grpSpPr>
+      <p:sp>
+        <p:nvSpPr>
+          <p:cNvPr id="4" name="タイトル 3"/>
+          <p:cNvSpPr>
+            <a:spLocks noGrp="1"/>
+          </p:cNvSpPr>
+          <p:nvPr>
+            <p:ph type="title"/>
+          </p:nvPr>
+        </p:nvSpPr>
+        <p:spPr/>
+        <p:txBody>
+          <a:bodyPr/>
+          <a:lstStyle/>
+          <a:p>
+            <a:pPr>
+              <a:lnSpc>
+                <a:spcPct val="130000"/>
+              </a:lnSpc>
+              <a:spcAft>
+                <a:spcPts val="1477"/>
+              </a:spcAft>
+            </a:pPr>
+            <a:r>
+              <a:rPr lang="en-US" altLang="ja-JP" sz="1800" b="1" dirty="0">
+                <a:latin typeface="+mn-ea"/>
+              </a:rPr>
+              <a:t>Learning to Importance Sample in Primary Sample Space</a:t>
+            </a:r>
+          </a:p>
+        </p:txBody>
+      </p:sp>
+      <p:sp>
+        <p:nvSpPr>
+          <p:cNvPr id="2" name="スライド番号プレースホルダー 1"/>
+          <p:cNvSpPr>
+            <a:spLocks noGrp="1"/>
+          </p:cNvSpPr>
+          <p:nvPr>
+            <p:ph type="sldNum" sz="quarter" idx="4"/>
+          </p:nvPr>
+        </p:nvSpPr>
+        <p:spPr/>
+        <p:txBody>
+          <a:bodyPr/>
+          <a:lstStyle/>
+          <a:p>
+            <a:fld id="{FB3508C7-2FE0-4945-9CBD-863E05F850D2}" type="slidenum">
+              <a:rPr lang="ja-JP" altLang="en-US" smtClean="0"/>
+              <a:pPr/>
+              <a:t>8</a:t>
+            </a:fld>
+            <a:endParaRPr lang="ja-JP" altLang="en-US" dirty="0"/>
+          </a:p>
+        </p:txBody>
+      </p:sp>
+      <p:sp>
+        <p:nvSpPr>
+          <p:cNvPr id="15" name="AutoShape 3"/>
+          <p:cNvSpPr>
+            <a:spLocks noChangeArrowheads="1"/>
+          </p:cNvSpPr>
+          <p:nvPr/>
+        </p:nvSpPr>
+        <p:spPr bwMode="auto">
+          <a:xfrm>
+            <a:off x="997444" y="7183360"/>
+            <a:ext cx="10194186" cy="197105"/>
+          </a:xfrm>
+          <a:prstGeom prst="roundRect">
+            <a:avLst>
+              <a:gd name="adj" fmla="val 0"/>
+            </a:avLst>
+          </a:prstGeom>
+          <a:noFill/>
+          <a:ln>
+            <a:noFill/>
+          </a:ln>
+          <a:effectLst/>
+          <a:extLst>
+            <a:ext uri="{909E8E84-426E-40DD-AFC4-6F175D3DCCD1}">
+              <a14:hiddenFill xmlns:a14="http://schemas.microsoft.com/office/drawing/2010/main">
+                <a:solidFill>
+                  <a:schemeClr val="accent1"/>
+                </a:solidFill>
+              </a14:hiddenFill>
+            </a:ext>
+            <a:ext uri="{91240B29-F687-4F45-9708-019B960494DF}">
+              <a14:hiddenLine xmlns:a14="http://schemas.microsoft.com/office/drawing/2010/main" w="9525">
+                <a:solidFill>
+                  <a:schemeClr val="tx1"/>
+                </a:solidFill>
+                <a:round/>
+                <a:headEnd/>
+                <a:tailEnd/>
+              </a14:hiddenLine>
+            </a:ext>
+            <a:ext uri="{AF507438-7753-43E0-B8FC-AC1667EBCBE1}">
+              <a14:hiddenEffects xmlns:a14="http://schemas.microsoft.com/office/drawing/2010/main">
+                <a:effectLst>
+                  <a:outerShdw dist="35921" dir="2700000" algn="ctr" rotWithShape="0">
+                    <a:schemeClr val="bg2"/>
+                  </a:outerShdw>
+                </a:effectLst>
+              </a14:hiddenEffects>
+            </a:ext>
+          </a:extLst>
+        </p:spPr>
+        <p:txBody>
+          <a:bodyPr wrap="square" lIns="0" tIns="0" rIns="0" bIns="0" anchor="ctr" anchorCtr="0">
+            <a:spAutoFit/>
+          </a:bodyPr>
+          <a:lstStyle/>
+          <a:p>
+            <a:pPr algn="r">
+              <a:lnSpc>
+                <a:spcPct val="140000"/>
+              </a:lnSpc>
+              <a:spcBef>
+                <a:spcPct val="0"/>
+              </a:spcBef>
+            </a:pPr>
+            <a:r>
+              <a:rPr lang="ja-JP" altLang="en-US" sz="985" dirty="0">
+                <a:latin typeface="メイリオ" pitchFamily="50" charset="-128"/>
+                <a:ea typeface="メイリオ" pitchFamily="50" charset="-128"/>
+                <a:cs typeface="メイリオ" pitchFamily="50" charset="-128"/>
+              </a:rPr>
+              <a:t>　</a:t>
+            </a:r>
+            <a:endParaRPr lang="en-US" altLang="ja-JP" sz="985" dirty="0">
+              <a:latin typeface="メイリオ" pitchFamily="50" charset="-128"/>
+              <a:ea typeface="メイリオ" pitchFamily="50" charset="-128"/>
+              <a:cs typeface="メイリオ" pitchFamily="50" charset="-128"/>
+            </a:endParaRPr>
+          </a:p>
+        </p:txBody>
+      </p:sp>
+      <p:sp>
+        <p:nvSpPr>
+          <p:cNvPr id="8" name="正方形/長方形 7">
+            <a:extLst>
+              <a:ext uri="{FF2B5EF4-FFF2-40B4-BE49-F238E27FC236}">
+                <a16:creationId xmlns:a16="http://schemas.microsoft.com/office/drawing/2014/main" id="{8E632357-3E13-4785-87A4-925B065BC8E4}"/>
+              </a:ext>
+            </a:extLst>
+          </p:cNvPr>
+          <p:cNvSpPr/>
+          <p:nvPr/>
+        </p:nvSpPr>
+        <p:spPr>
+          <a:xfrm>
+            <a:off x="762014" y="1978203"/>
+            <a:ext cx="6070380" cy="646331"/>
+          </a:xfrm>
+          <a:prstGeom prst="rect">
+            <a:avLst/>
+          </a:prstGeom>
+        </p:spPr>
+        <p:txBody>
+          <a:bodyPr wrap="none">
+            <a:spAutoFit/>
+          </a:bodyPr>
+          <a:lstStyle/>
+          <a:p>
+            <a:r>
+              <a:rPr lang="en-US" altLang="ja-JP" b="1" dirty="0" err="1"/>
+              <a:t>RealNVP</a:t>
+            </a:r>
+            <a:r>
+              <a:rPr lang="ja-JP" altLang="en-US" b="1" dirty="0"/>
+              <a:t>の論文を読んだので要約とメモ </a:t>
+            </a:r>
+            <a:r>
+              <a:rPr lang="en-US" altLang="ja-JP" b="1" dirty="0"/>
+              <a:t>- </a:t>
+            </a:r>
+            <a:r>
+              <a:rPr lang="en-US" altLang="ja-JP" b="1" dirty="0" err="1"/>
+              <a:t>Qiita</a:t>
+            </a:r>
+            <a:endParaRPr lang="en-US" altLang="ja-JP" dirty="0">
+              <a:hlinkClick r:id="rId2"/>
+            </a:endParaRPr>
+          </a:p>
+          <a:p>
+            <a:r>
+              <a:rPr lang="en-US" altLang="ja-JP" dirty="0">
+                <a:hlinkClick r:id="rId2"/>
+              </a:rPr>
+              <a:t>https://qiita.com/exp/items/25e88f506fc7458c7fad</a:t>
+            </a:r>
+            <a:endParaRPr lang="ja-JP" altLang="en-US" dirty="0"/>
+          </a:p>
+        </p:txBody>
+      </p:sp>
+      <p:sp>
+        <p:nvSpPr>
+          <p:cNvPr id="3" name="テキスト ボックス 2">
+            <a:extLst>
+              <a:ext uri="{FF2B5EF4-FFF2-40B4-BE49-F238E27FC236}">
+                <a16:creationId xmlns:a16="http://schemas.microsoft.com/office/drawing/2014/main" id="{B360AA60-1E98-420F-B1B6-DA9F59EF5B2B}"/>
+              </a:ext>
+            </a:extLst>
+          </p:cNvPr>
+          <p:cNvSpPr txBox="1"/>
+          <p:nvPr/>
+        </p:nvSpPr>
+        <p:spPr>
+          <a:xfrm>
+            <a:off x="767408" y="1296668"/>
+            <a:ext cx="1107996" cy="369332"/>
+          </a:xfrm>
+          <a:prstGeom prst="rect">
+            <a:avLst/>
+          </a:prstGeom>
+          <a:noFill/>
+        </p:spPr>
+        <p:txBody>
+          <a:bodyPr wrap="none" rtlCol="0">
+            <a:spAutoFit/>
+          </a:bodyPr>
+          <a:lstStyle/>
+          <a:p>
+            <a:r>
+              <a:rPr lang="ja-JP" altLang="en-US" dirty="0"/>
+              <a:t>参考文献</a:t>
+            </a:r>
+            <a:endParaRPr kumimoji="1" lang="ja-JP" altLang="en-US" dirty="0"/>
+          </a:p>
+        </p:txBody>
+      </p:sp>
+    </p:spTree>
+    <p:extLst>
+      <p:ext uri="{BB962C8B-B14F-4D97-AF65-F5344CB8AC3E}">
+        <p14:creationId xmlns:p14="http://schemas.microsoft.com/office/powerpoint/2010/main" val="1566169355"/>
       </p:ext>
     </p:extLst>
   </p:cSld>
